--- a/docs/3차 발표.pptx
+++ b/docs/3차 발표.pptx
@@ -3736,7 +3736,7 @@
           <p:nvPr>
             <p:extLst>
               <p:ext uri="{D42A27DB-BD31-4B8C-83A1-F6EECF244321}">
-                <p14:modId xmlns:p14="http://schemas.microsoft.com/office/powerpoint/2010/main" val="1695108015"/>
+                <p14:modId xmlns:p14="http://schemas.microsoft.com/office/powerpoint/2010/main" val="1119906041"/>
               </p:ext>
             </p:extLst>
           </p:nvPr>
@@ -8395,7 +8395,7 @@
                           <a:ea typeface="맑은 고딕" panose="020B0503020000020004" pitchFamily="50" charset="-127"/>
                           <a:cs typeface="+mn-cs"/>
                         </a:rPr>
-                        <a:t>50%</a:t>
+                        <a:t>90%</a:t>
                       </a:r>
                       <a:endParaRPr kumimoji="0" lang="ko-KR" altLang="en-US" sz="1400" b="1" i="0" u="none" strike="noStrike" kern="1200" cap="none" spc="0" normalizeH="0" baseline="0" noProof="0" dirty="0">
                         <a:ln>
@@ -8787,6 +8787,23 @@
                         <a:tabLst/>
                         <a:defRPr/>
                       </a:pPr>
+                      <a:r>
+                        <a:rPr kumimoji="0" lang="en-US" altLang="ko-KR" sz="1400" b="1" i="0" u="none" strike="noStrike" kern="1200" cap="none" spc="0" normalizeH="0" baseline="0" noProof="0" dirty="0">
+                          <a:ln>
+                            <a:noFill/>
+                          </a:ln>
+                          <a:solidFill>
+                            <a:prstClr val="black"/>
+                          </a:solidFill>
+                          <a:effectLst/>
+                          <a:uLnTx/>
+                          <a:uFillTx/>
+                          <a:latin typeface="맑은 고딕" panose="020F0502020204030204"/>
+                          <a:ea typeface="맑은 고딕" panose="020B0503020000020004" pitchFamily="50" charset="-127"/>
+                          <a:cs typeface="+mn-cs"/>
+                        </a:rPr>
+                        <a:t>60%</a:t>
+                      </a:r>
                       <a:endParaRPr kumimoji="0" lang="ko-KR" altLang="en-US" sz="1400" b="1" i="0" u="none" strike="noStrike" kern="1200" cap="none" spc="0" normalizeH="0" baseline="0" noProof="0" dirty="0">
                         <a:ln>
                           <a:noFill/>

--- a/docs/3차 발표.pptx
+++ b/docs/3차 발표.pptx
@@ -198,7 +198,7 @@
           <a:p>
             <a:fld id="{F5388E05-75B2-401E-B76C-B4F7E1164E97}" type="datetimeFigureOut">
               <a:rPr lang="ko-KR" altLang="en-US" smtClean="0"/>
-              <a:t>2022-11-13</a:t>
+              <a:t>2022-11-18</a:t>
             </a:fld>
             <a:endParaRPr lang="ko-KR" altLang="en-US"/>
           </a:p>
@@ -465,6 +465,90 @@
 </p:notesMaster>
 </file>
 
+<file path=ppt/notesSlides/notesSlide1.xml><?xml version="1.0" encoding="utf-8"?>
+<p:notes xmlns:a="http://schemas.openxmlformats.org/drawingml/2006/main" xmlns:r="http://schemas.openxmlformats.org/officeDocument/2006/relationships" xmlns:p="http://schemas.openxmlformats.org/presentationml/2006/main">
+  <p:cSld>
+    <p:spTree>
+      <p:nvGrpSpPr>
+        <p:cNvPr id="1" name=""/>
+        <p:cNvGrpSpPr/>
+        <p:nvPr/>
+      </p:nvGrpSpPr>
+      <p:grpSpPr>
+        <a:xfrm>
+          <a:off x="0" y="0"/>
+          <a:ext cx="0" cy="0"/>
+          <a:chOff x="0" y="0"/>
+          <a:chExt cx="0" cy="0"/>
+        </a:xfrm>
+      </p:grpSpPr>
+      <p:sp>
+        <p:nvSpPr>
+          <p:cNvPr id="2" name="슬라이드 이미지 개체 틀 1"/>
+          <p:cNvSpPr>
+            <a:spLocks noGrp="1" noRot="1" noChangeAspect="1"/>
+          </p:cNvSpPr>
+          <p:nvPr>
+            <p:ph type="sldImg"/>
+          </p:nvPr>
+        </p:nvSpPr>
+        <p:spPr/>
+      </p:sp>
+      <p:sp>
+        <p:nvSpPr>
+          <p:cNvPr id="3" name="슬라이드 노트 개체 틀 2"/>
+          <p:cNvSpPr>
+            <a:spLocks noGrp="1"/>
+          </p:cNvSpPr>
+          <p:nvPr>
+            <p:ph type="body" idx="1"/>
+          </p:nvPr>
+        </p:nvSpPr>
+        <p:spPr/>
+        <p:txBody>
+          <a:bodyPr/>
+          <a:lstStyle/>
+          <a:p>
+            <a:endParaRPr lang="ko-KR" altLang="en-US" dirty="0"/>
+          </a:p>
+        </p:txBody>
+      </p:sp>
+      <p:sp>
+        <p:nvSpPr>
+          <p:cNvPr id="4" name="슬라이드 번호 개체 틀 3"/>
+          <p:cNvSpPr>
+            <a:spLocks noGrp="1"/>
+          </p:cNvSpPr>
+          <p:nvPr>
+            <p:ph type="sldNum" sz="quarter" idx="5"/>
+          </p:nvPr>
+        </p:nvSpPr>
+        <p:spPr/>
+        <p:txBody>
+          <a:bodyPr/>
+          <a:lstStyle/>
+          <a:p>
+            <a:fld id="{C3BD6090-B03B-43CD-8895-A3073F11B01F}" type="slidenum">
+              <a:rPr lang="ko-KR" altLang="en-US" smtClean="0"/>
+              <a:t>1</a:t>
+            </a:fld>
+            <a:endParaRPr lang="ko-KR" altLang="en-US"/>
+          </a:p>
+        </p:txBody>
+      </p:sp>
+    </p:spTree>
+    <p:extLst>
+      <p:ext uri="{BB962C8B-B14F-4D97-AF65-F5344CB8AC3E}">
+        <p14:creationId xmlns:p14="http://schemas.microsoft.com/office/powerpoint/2010/main" val="2019087838"/>
+      </p:ext>
+    </p:extLst>
+  </p:cSld>
+  <p:clrMapOvr>
+    <a:masterClrMapping/>
+  </p:clrMapOvr>
+</p:notes>
+</file>
+
 <file path=ppt/slideLayouts/slideLayout1.xml><?xml version="1.0" encoding="utf-8"?>
 <p:sldLayout xmlns:a="http://schemas.openxmlformats.org/drawingml/2006/main" xmlns:r="http://schemas.openxmlformats.org/officeDocument/2006/relationships" xmlns:p="http://schemas.openxmlformats.org/presentationml/2006/main" type="title" preserve="1">
   <p:cSld name="제목 슬라이드">
@@ -612,7 +696,7 @@
           <a:p>
             <a:fld id="{E20BE9B5-62FE-4E58-9FC9-63DA9FB18B1E}" type="datetimeFigureOut">
               <a:rPr lang="ko-KR" altLang="en-US" smtClean="0"/>
-              <a:t>2022-11-13</a:t>
+              <a:t>2022-11-18</a:t>
             </a:fld>
             <a:endParaRPr lang="ko-KR" altLang="en-US"/>
           </a:p>
@@ -810,7 +894,7 @@
           <a:p>
             <a:fld id="{E20BE9B5-62FE-4E58-9FC9-63DA9FB18B1E}" type="datetimeFigureOut">
               <a:rPr lang="ko-KR" altLang="en-US" smtClean="0"/>
-              <a:t>2022-11-13</a:t>
+              <a:t>2022-11-18</a:t>
             </a:fld>
             <a:endParaRPr lang="ko-KR" altLang="en-US"/>
           </a:p>
@@ -1018,7 +1102,7 @@
           <a:p>
             <a:fld id="{E20BE9B5-62FE-4E58-9FC9-63DA9FB18B1E}" type="datetimeFigureOut">
               <a:rPr lang="ko-KR" altLang="en-US" smtClean="0"/>
-              <a:t>2022-11-13</a:t>
+              <a:t>2022-11-18</a:t>
             </a:fld>
             <a:endParaRPr lang="ko-KR" altLang="en-US"/>
           </a:p>
@@ -1216,7 +1300,7 @@
           <a:p>
             <a:fld id="{E20BE9B5-62FE-4E58-9FC9-63DA9FB18B1E}" type="datetimeFigureOut">
               <a:rPr lang="ko-KR" altLang="en-US" smtClean="0"/>
-              <a:t>2022-11-13</a:t>
+              <a:t>2022-11-18</a:t>
             </a:fld>
             <a:endParaRPr lang="ko-KR" altLang="en-US"/>
           </a:p>
@@ -1491,7 +1575,7 @@
           <a:p>
             <a:fld id="{E20BE9B5-62FE-4E58-9FC9-63DA9FB18B1E}" type="datetimeFigureOut">
               <a:rPr lang="ko-KR" altLang="en-US" smtClean="0"/>
-              <a:t>2022-11-13</a:t>
+              <a:t>2022-11-18</a:t>
             </a:fld>
             <a:endParaRPr lang="ko-KR" altLang="en-US"/>
           </a:p>
@@ -1756,7 +1840,7 @@
           <a:p>
             <a:fld id="{E20BE9B5-62FE-4E58-9FC9-63DA9FB18B1E}" type="datetimeFigureOut">
               <a:rPr lang="ko-KR" altLang="en-US" smtClean="0"/>
-              <a:t>2022-11-13</a:t>
+              <a:t>2022-11-18</a:t>
             </a:fld>
             <a:endParaRPr lang="ko-KR" altLang="en-US"/>
           </a:p>
@@ -2168,7 +2252,7 @@
           <a:p>
             <a:fld id="{E20BE9B5-62FE-4E58-9FC9-63DA9FB18B1E}" type="datetimeFigureOut">
               <a:rPr lang="ko-KR" altLang="en-US" smtClean="0"/>
-              <a:t>2022-11-13</a:t>
+              <a:t>2022-11-18</a:t>
             </a:fld>
             <a:endParaRPr lang="ko-KR" altLang="en-US"/>
           </a:p>
@@ -2309,7 +2393,7 @@
           <a:p>
             <a:fld id="{E20BE9B5-62FE-4E58-9FC9-63DA9FB18B1E}" type="datetimeFigureOut">
               <a:rPr lang="ko-KR" altLang="en-US" smtClean="0"/>
-              <a:t>2022-11-13</a:t>
+              <a:t>2022-11-18</a:t>
             </a:fld>
             <a:endParaRPr lang="ko-KR" altLang="en-US"/>
           </a:p>
@@ -2422,7 +2506,7 @@
           <a:p>
             <a:fld id="{E20BE9B5-62FE-4E58-9FC9-63DA9FB18B1E}" type="datetimeFigureOut">
               <a:rPr lang="ko-KR" altLang="en-US" smtClean="0"/>
-              <a:t>2022-11-13</a:t>
+              <a:t>2022-11-18</a:t>
             </a:fld>
             <a:endParaRPr lang="ko-KR" altLang="en-US"/>
           </a:p>
@@ -2733,7 +2817,7 @@
           <a:p>
             <a:fld id="{E20BE9B5-62FE-4E58-9FC9-63DA9FB18B1E}" type="datetimeFigureOut">
               <a:rPr lang="ko-KR" altLang="en-US" smtClean="0"/>
-              <a:t>2022-11-13</a:t>
+              <a:t>2022-11-18</a:t>
             </a:fld>
             <a:endParaRPr lang="ko-KR" altLang="en-US"/>
           </a:p>
@@ -3021,7 +3105,7 @@
           <a:p>
             <a:fld id="{E20BE9B5-62FE-4E58-9FC9-63DA9FB18B1E}" type="datetimeFigureOut">
               <a:rPr lang="ko-KR" altLang="en-US" smtClean="0"/>
-              <a:t>2022-11-13</a:t>
+              <a:t>2022-11-18</a:t>
             </a:fld>
             <a:endParaRPr lang="ko-KR" altLang="en-US"/>
           </a:p>
@@ -3262,7 +3346,7 @@
           <a:p>
             <a:fld id="{E20BE9B5-62FE-4E58-9FC9-63DA9FB18B1E}" type="datetimeFigureOut">
               <a:rPr lang="ko-KR" altLang="en-US" smtClean="0"/>
-              <a:t>2022-11-13</a:t>
+              <a:t>2022-11-18</a:t>
             </a:fld>
             <a:endParaRPr lang="ko-KR" altLang="en-US"/>
           </a:p>
@@ -3736,7 +3820,7 @@
           <p:nvPr>
             <p:extLst>
               <p:ext uri="{D42A27DB-BD31-4B8C-83A1-F6EECF244321}">
-                <p14:modId xmlns:p14="http://schemas.microsoft.com/office/powerpoint/2010/main" val="1119906041"/>
+                <p14:modId xmlns:p14="http://schemas.microsoft.com/office/powerpoint/2010/main" val="160265226"/>
               </p:ext>
             </p:extLst>
           </p:nvPr>
@@ -7803,7 +7887,7 @@
                           <a:ea typeface="+mn-ea"/>
                           <a:cs typeface="+mn-cs"/>
                         </a:rPr>
-                        <a:t>90%</a:t>
+                        <a:t>100%</a:t>
                       </a:r>
                       <a:endParaRPr kumimoji="0" lang="ko-KR" altLang="en-US" sz="1400" b="1" i="0" u="none" strike="noStrike" kern="1200" cap="none" spc="0" normalizeH="0" baseline="0" noProof="0" dirty="0">
                         <a:ln>
@@ -8802,7 +8886,7 @@
                           <a:ea typeface="맑은 고딕" panose="020B0503020000020004" pitchFamily="50" charset="-127"/>
                           <a:cs typeface="+mn-cs"/>
                         </a:rPr>
-                        <a:t>60%</a:t>
+                        <a:t>80%</a:t>
                       </a:r>
                       <a:endParaRPr kumimoji="0" lang="ko-KR" altLang="en-US" sz="1400" b="1" i="0" u="none" strike="noStrike" kern="1200" cap="none" spc="0" normalizeH="0" baseline="0" noProof="0" dirty="0">
                         <a:ln>
@@ -9308,7 +9392,7 @@
                   <a:srgbClr val="FF0000"/>
                 </a:solidFill>
               </a:rPr>
-              <a:t>: 50%</a:t>
+              <a:t>: 87%</a:t>
             </a:r>
             <a:endParaRPr lang="ko-KR" altLang="en-US" b="1" dirty="0">
               <a:solidFill>
@@ -9410,10 +9494,10 @@
       </p:sp>
       <p:pic>
         <p:nvPicPr>
-          <p:cNvPr id="3" name="그림 2">
+          <p:cNvPr id="5" name="그림 4">
             <a:extLst>
               <a:ext uri="{FF2B5EF4-FFF2-40B4-BE49-F238E27FC236}">
-                <a16:creationId xmlns:a16="http://schemas.microsoft.com/office/drawing/2014/main" id="{844A0BCD-5A88-A5AE-B61D-480C6784C31E}"/>
+                <a16:creationId xmlns:a16="http://schemas.microsoft.com/office/drawing/2014/main" id="{172466ED-D23A-A9E9-B53B-19DFA791ACD7}"/>
               </a:ext>
             </a:extLst>
           </p:cNvPr>
@@ -9430,8 +9514,8 @@
         </p:blipFill>
         <p:spPr>
           <a:xfrm>
-            <a:off x="223801" y="543524"/>
-            <a:ext cx="11446115" cy="6173799"/>
+            <a:off x="140021" y="556616"/>
+            <a:ext cx="11784070" cy="6154009"/>
           </a:xfrm>
           <a:prstGeom prst="rect">
             <a:avLst/>
